--- a/spring11/slides11/slides11w.pptx
+++ b/spring11/slides11/slides11w.pptx
@@ -25898,7 +25898,7 @@
 </file>
 
 <file path=ppt/slides/slide20.xml><?xml version="1.0" encoding="utf-8"?>
-<p:sld xmlns:a="http://schemas.openxmlformats.org/drawingml/2006/main" xmlns:r="http://schemas.openxmlformats.org/officeDocument/2006/relationships" xmlns:mc="http://schemas.openxmlformats.org/markup-compatibility/2006" xmlns:mv="urn:schemas-microsoft-com:mac:vml" xmlns:p="http://schemas.openxmlformats.org/presentationml/2006/main" mc:Ignorable="mv" mc:PreserveAttributes="mv:*">
+<p:sld xmlns:a="http://schemas.openxmlformats.org/drawingml/2006/main" xmlns:r="http://schemas.openxmlformats.org/officeDocument/2006/relationships" xmlns:mc="http://schemas.openxmlformats.org/markup-compatibility/2006" xmlns:mv="urn:schemas-microsoft-com:mac:vml" xmlns:p="http://schemas.openxmlformats.org/presentationml/2006/main" mc:Ignorable="mv" mc:PreserveAttributes="mv:*" show="0">
   <p:cSld>
     <p:spTree>
       <p:nvGrpSpPr>
